--- a/My First Project.pptx
+++ b/My First Project.pptx
@@ -3355,10 +3355,10 @@
         <a:lstStyle/>
         <a:p>
           <a:r>
-            <a:rPr lang="nl-NL"/>
+            <a:rPr lang="nl-NL" dirty="0"/>
             <a:t>Functionality</a:t>
           </a:r>
-          <a:endParaRPr lang="en-US"/>
+          <a:endParaRPr lang="en-US" dirty="0"/>
         </a:p>
       </dgm:t>
     </dgm:pt>
@@ -4574,6 +4574,28 @@
         </a:p>
       </dgm:t>
     </dgm:pt>
+    <dgm:pt modelId="{76010BD7-E137-4765-B157-CDA5825A51CC}">
+      <dgm:prSet/>
+      <dgm:spPr/>
+      <dgm:t>
+        <a:bodyPr/>
+        <a:lstStyle/>
+        <a:p>
+          <a:r>
+            <a:rPr lang="nl-NL" dirty="0"/>
+            <a:t>Incomplete</a:t>
+          </a:r>
+        </a:p>
+      </dgm:t>
+    </dgm:pt>
+    <dgm:pt modelId="{452CDD4E-8757-4801-85BF-CA1CDCD56CB5}" type="parTrans" cxnId="{A3E561C4-882B-4D93-B04C-13FFFB1FB2B8}">
+      <dgm:prSet/>
+      <dgm:spPr/>
+    </dgm:pt>
+    <dgm:pt modelId="{47EC80DF-BC09-441E-B519-D80ACD5FBA64}" type="sibTrans" cxnId="{A3E561C4-882B-4D93-B04C-13FFFB1FB2B8}">
+      <dgm:prSet/>
+      <dgm:spPr/>
+    </dgm:pt>
     <dgm:pt modelId="{C107DE0E-F6FD-4A77-936E-06F423559D56}" type="pres">
       <dgm:prSet presAssocID="{039222EC-9F2A-43A3-8618-760E408454C6}" presName="diagram" presStyleCnt="0">
         <dgm:presLayoutVars>
@@ -4584,7 +4606,7 @@
       <dgm:spPr/>
     </dgm:pt>
     <dgm:pt modelId="{1706532F-1E3A-4E22-88B8-65115C1CBE10}" type="pres">
-      <dgm:prSet presAssocID="{F7A9CE03-2CF0-4BE8-9F30-CF577AEA0E8F}" presName="node" presStyleLbl="node1" presStyleIdx="0" presStyleCnt="4">
+      <dgm:prSet presAssocID="{F7A9CE03-2CF0-4BE8-9F30-CF577AEA0E8F}" presName="node" presStyleLbl="node1" presStyleIdx="0" presStyleCnt="5">
         <dgm:presLayoutVars>
           <dgm:bulletEnabled val="1"/>
         </dgm:presLayoutVars>
@@ -4596,7 +4618,7 @@
       <dgm:spPr/>
     </dgm:pt>
     <dgm:pt modelId="{E8FEC34F-D9D5-4E50-93A2-9CDBC0C2FEC1}" type="pres">
-      <dgm:prSet presAssocID="{B14095BD-754C-4F76-9037-83B0BCF81CE7}" presName="node" presStyleLbl="node1" presStyleIdx="1" presStyleCnt="4">
+      <dgm:prSet presAssocID="{B14095BD-754C-4F76-9037-83B0BCF81CE7}" presName="node" presStyleLbl="node1" presStyleIdx="1" presStyleCnt="5">
         <dgm:presLayoutVars>
           <dgm:bulletEnabled val="1"/>
         </dgm:presLayoutVars>
@@ -4608,7 +4630,7 @@
       <dgm:spPr/>
     </dgm:pt>
     <dgm:pt modelId="{3A49DCE0-C0C4-4AE7-A289-11C6D229A51D}" type="pres">
-      <dgm:prSet presAssocID="{D85FA7EE-1CA2-4682-AD22-8B5AC2DCC57C}" presName="node" presStyleLbl="node1" presStyleIdx="2" presStyleCnt="4">
+      <dgm:prSet presAssocID="{D85FA7EE-1CA2-4682-AD22-8B5AC2DCC57C}" presName="node" presStyleLbl="node1" presStyleIdx="2" presStyleCnt="5">
         <dgm:presLayoutVars>
           <dgm:bulletEnabled val="1"/>
         </dgm:presLayoutVars>
@@ -4620,7 +4642,19 @@
       <dgm:spPr/>
     </dgm:pt>
     <dgm:pt modelId="{B5C98947-AE6C-4226-AC85-92156906985F}" type="pres">
-      <dgm:prSet presAssocID="{CD97B5E5-4B47-4B48-93EA-CF577F480337}" presName="node" presStyleLbl="node1" presStyleIdx="3" presStyleCnt="4">
+      <dgm:prSet presAssocID="{CD97B5E5-4B47-4B48-93EA-CF577F480337}" presName="node" presStyleLbl="node1" presStyleIdx="3" presStyleCnt="5">
+        <dgm:presLayoutVars>
+          <dgm:bulletEnabled val="1"/>
+        </dgm:presLayoutVars>
+      </dgm:prSet>
+      <dgm:spPr/>
+    </dgm:pt>
+    <dgm:pt modelId="{16E8CCD4-5F3E-46F6-B206-FEFA8F1B0FF8}" type="pres">
+      <dgm:prSet presAssocID="{3B997037-7B8E-442D-A6C3-E23D40F05853}" presName="sibTrans" presStyleCnt="0"/>
+      <dgm:spPr/>
+    </dgm:pt>
+    <dgm:pt modelId="{1486C01B-4EC0-4FAF-A856-4B6865A30AE6}" type="pres">
+      <dgm:prSet presAssocID="{76010BD7-E137-4765-B157-CDA5825A51CC}" presName="node" presStyleLbl="node1" presStyleIdx="4" presStyleCnt="5">
         <dgm:presLayoutVars>
           <dgm:bulletEnabled val="1"/>
         </dgm:presLayoutVars>
@@ -4630,6 +4664,7 @@
   </dgm:ptLst>
   <dgm:cxnLst>
     <dgm:cxn modelId="{F1E7C114-A8C5-4251-8F54-4F3085F13191}" type="presOf" srcId="{039222EC-9F2A-43A3-8618-760E408454C6}" destId="{C107DE0E-F6FD-4A77-936E-06F423559D56}" srcOrd="0" destOrd="0" presId="urn:microsoft.com/office/officeart/2005/8/layout/default"/>
+    <dgm:cxn modelId="{6335BA36-B3D9-4D24-B5D7-694CF35074C1}" type="presOf" srcId="{76010BD7-E137-4765-B157-CDA5825A51CC}" destId="{1486C01B-4EC0-4FAF-A856-4B6865A30AE6}" srcOrd="0" destOrd="0" presId="urn:microsoft.com/office/officeart/2005/8/layout/default"/>
     <dgm:cxn modelId="{E51EC25F-C53D-4E14-ADA6-B41E3ECC1DD5}" srcId="{039222EC-9F2A-43A3-8618-760E408454C6}" destId="{D85FA7EE-1CA2-4682-AD22-8B5AC2DCC57C}" srcOrd="2" destOrd="0" parTransId="{1EF14212-EEE4-4C2B-90BA-028732595187}" sibTransId="{5915AAD3-0CBE-4C1B-9A4E-BE60873B7890}"/>
     <dgm:cxn modelId="{EFD42762-EDDF-423F-BF7C-0D412B9E03E8}" type="presOf" srcId="{F7A9CE03-2CF0-4BE8-9F30-CF577AEA0E8F}" destId="{1706532F-1E3A-4E22-88B8-65115C1CBE10}" srcOrd="0" destOrd="0" presId="urn:microsoft.com/office/officeart/2005/8/layout/default"/>
     <dgm:cxn modelId="{1393AB42-C167-41CB-96B0-05E0CE7D32EA}" srcId="{039222EC-9F2A-43A3-8618-760E408454C6}" destId="{CD97B5E5-4B47-4B48-93EA-CF577F480337}" srcOrd="3" destOrd="0" parTransId="{89F5860E-42F9-4112-A582-A1FEBCC1FF26}" sibTransId="{3B997037-7B8E-442D-A6C3-E23D40F05853}"/>
@@ -4637,6 +4672,7 @@
     <dgm:cxn modelId="{AAB0E995-2009-4B38-80ED-7319A1B5BC4C}" srcId="{039222EC-9F2A-43A3-8618-760E408454C6}" destId="{B14095BD-754C-4F76-9037-83B0BCF81CE7}" srcOrd="1" destOrd="0" parTransId="{040DC755-655E-4371-BCB1-3CA24D2C801B}" sibTransId="{981B71CA-D10C-4DAB-A762-5F2F28D8C429}"/>
     <dgm:cxn modelId="{34EDE498-CD4B-42A3-BFEA-6A1A0B252413}" type="presOf" srcId="{CD97B5E5-4B47-4B48-93EA-CF577F480337}" destId="{B5C98947-AE6C-4226-AC85-92156906985F}" srcOrd="0" destOrd="0" presId="urn:microsoft.com/office/officeart/2005/8/layout/default"/>
     <dgm:cxn modelId="{95E993A5-10EC-48D6-9836-9834EDEEF726}" type="presOf" srcId="{D85FA7EE-1CA2-4682-AD22-8B5AC2DCC57C}" destId="{3A49DCE0-C0C4-4AE7-A289-11C6D229A51D}" srcOrd="0" destOrd="0" presId="urn:microsoft.com/office/officeart/2005/8/layout/default"/>
+    <dgm:cxn modelId="{A3E561C4-882B-4D93-B04C-13FFFB1FB2B8}" srcId="{039222EC-9F2A-43A3-8618-760E408454C6}" destId="{76010BD7-E137-4765-B157-CDA5825A51CC}" srcOrd="4" destOrd="0" parTransId="{452CDD4E-8757-4801-85BF-CA1CDCD56CB5}" sibTransId="{47EC80DF-BC09-441E-B519-D80ACD5FBA64}"/>
     <dgm:cxn modelId="{3CD0DCF5-A3C7-487B-8305-DE3C94DE8250}" type="presOf" srcId="{B14095BD-754C-4F76-9037-83B0BCF81CE7}" destId="{E8FEC34F-D9D5-4E50-93A2-9CDBC0C2FEC1}" srcOrd="0" destOrd="0" presId="urn:microsoft.com/office/officeart/2005/8/layout/default"/>
     <dgm:cxn modelId="{675D78BA-80DC-41CE-8A09-6FD17166FF61}" type="presParOf" srcId="{C107DE0E-F6FD-4A77-936E-06F423559D56}" destId="{1706532F-1E3A-4E22-88B8-65115C1CBE10}" srcOrd="0" destOrd="0" presId="urn:microsoft.com/office/officeart/2005/8/layout/default"/>
     <dgm:cxn modelId="{FEC9622C-1EBD-4B0B-98F4-9FA95A1706AB}" type="presParOf" srcId="{C107DE0E-F6FD-4A77-936E-06F423559D56}" destId="{9546F755-F5B5-4B24-868E-3B1C3D0340E4}" srcOrd="1" destOrd="0" presId="urn:microsoft.com/office/officeart/2005/8/layout/default"/>
@@ -4645,6 +4681,8 @@
     <dgm:cxn modelId="{32F30FBF-E938-4FF3-A82A-D8F22FD24040}" type="presParOf" srcId="{C107DE0E-F6FD-4A77-936E-06F423559D56}" destId="{3A49DCE0-C0C4-4AE7-A289-11C6D229A51D}" srcOrd="4" destOrd="0" presId="urn:microsoft.com/office/officeart/2005/8/layout/default"/>
     <dgm:cxn modelId="{B9C1CA09-A9B1-4AD9-8765-008DA5167824}" type="presParOf" srcId="{C107DE0E-F6FD-4A77-936E-06F423559D56}" destId="{805EBE12-0841-411D-95F7-50EE39B2D6E9}" srcOrd="5" destOrd="0" presId="urn:microsoft.com/office/officeart/2005/8/layout/default"/>
     <dgm:cxn modelId="{D86A9AC4-1D9D-428F-8241-F01166741915}" type="presParOf" srcId="{C107DE0E-F6FD-4A77-936E-06F423559D56}" destId="{B5C98947-AE6C-4226-AC85-92156906985F}" srcOrd="6" destOrd="0" presId="urn:microsoft.com/office/officeart/2005/8/layout/default"/>
+    <dgm:cxn modelId="{5546C2B7-325F-4F62-B5CA-96D9BA8C2072}" type="presParOf" srcId="{C107DE0E-F6FD-4A77-936E-06F423559D56}" destId="{16E8CCD4-5F3E-46F6-B206-FEFA8F1B0FF8}" srcOrd="7" destOrd="0" presId="urn:microsoft.com/office/officeart/2005/8/layout/default"/>
+    <dgm:cxn modelId="{D5E1F6BB-01DE-4C31-A4AF-B0106052757F}" type="presParOf" srcId="{C107DE0E-F6FD-4A77-936E-06F423559D56}" destId="{1486C01B-4EC0-4FAF-A856-4B6865A30AE6}" srcOrd="8" destOrd="0" presId="urn:microsoft.com/office/officeart/2005/8/layout/default"/>
   </dgm:cxnLst>
   <dgm:bg/>
   <dgm:whole/>
@@ -4671,8 +4709,8 @@
       </dsp:nvSpPr>
       <dsp:spPr>
         <a:xfrm>
-          <a:off x="349024" y="1169967"/>
-          <a:ext cx="561621" cy="561621"/>
+          <a:off x="401969" y="1161293"/>
+          <a:ext cx="650214" cy="650214"/>
         </a:xfrm>
         <a:prstGeom prst="rect">
           <a:avLst/>
@@ -4720,8 +4758,8 @@
       </dsp:nvSpPr>
       <dsp:spPr>
         <a:xfrm>
-          <a:off x="5811" y="1948659"/>
-          <a:ext cx="1248046" cy="499218"/>
+          <a:off x="4616" y="2038152"/>
+          <a:ext cx="1444921" cy="577968"/>
         </a:xfrm>
         <a:prstGeom prst="rect">
           <a:avLst/>
@@ -4750,7 +4788,7 @@
         </a:bodyPr>
         <a:lstStyle/>
         <a:p>
-          <a:pPr marL="0" lvl="0" indent="0" algn="ctr" defTabSz="711200">
+          <a:pPr marL="0" lvl="0" indent="0" algn="ctr" defTabSz="844550">
             <a:lnSpc>
               <a:spcPct val="90000"/>
             </a:lnSpc>
@@ -4763,15 +4801,15 @@
             <a:buNone/>
           </a:pPr>
           <a:r>
-            <a:rPr lang="nl-NL" sz="1600" kern="1200"/>
+            <a:rPr lang="nl-NL" sz="1900" kern="1200"/>
             <a:t>Why this Project</a:t>
           </a:r>
-          <a:endParaRPr lang="en-US" sz="1600" kern="1200"/>
+          <a:endParaRPr lang="en-US" sz="1900" kern="1200"/>
         </a:p>
       </dsp:txBody>
       <dsp:txXfrm>
-        <a:off x="5811" y="1948659"/>
-        <a:ext cx="1248046" cy="499218"/>
+        <a:off x="4616" y="2038152"/>
+        <a:ext cx="1444921" cy="577968"/>
       </dsp:txXfrm>
     </dsp:sp>
     <dsp:sp modelId="{FE128998-E1FF-4ECD-AF50-4C8BE59D53A6}">
@@ -4781,8 +4819,8 @@
       </dsp:nvSpPr>
       <dsp:spPr>
         <a:xfrm>
-          <a:off x="1815479" y="1169967"/>
-          <a:ext cx="561621" cy="561621"/>
+          <a:off x="2099753" y="1161293"/>
+          <a:ext cx="650214" cy="650214"/>
         </a:xfrm>
         <a:prstGeom prst="rect">
           <a:avLst/>
@@ -4830,8 +4868,8 @@
       </dsp:nvSpPr>
       <dsp:spPr>
         <a:xfrm>
-          <a:off x="1472266" y="1948659"/>
-          <a:ext cx="1248046" cy="499218"/>
+          <a:off x="1702399" y="2038152"/>
+          <a:ext cx="1444921" cy="577968"/>
         </a:xfrm>
         <a:prstGeom prst="rect">
           <a:avLst/>
@@ -4860,7 +4898,7 @@
         </a:bodyPr>
         <a:lstStyle/>
         <a:p>
-          <a:pPr marL="0" lvl="0" indent="0" algn="ctr" defTabSz="711200">
+          <a:pPr marL="0" lvl="0" indent="0" algn="ctr" defTabSz="844550">
             <a:lnSpc>
               <a:spcPct val="90000"/>
             </a:lnSpc>
@@ -4873,15 +4911,15 @@
             <a:buNone/>
           </a:pPr>
           <a:r>
-            <a:rPr lang="nl-NL" sz="1600" kern="1200"/>
+            <a:rPr lang="nl-NL" sz="1900" kern="1200" dirty="0"/>
             <a:t>Functionality</a:t>
           </a:r>
-          <a:endParaRPr lang="en-US" sz="1600" kern="1200"/>
+          <a:endParaRPr lang="en-US" sz="1900" kern="1200" dirty="0"/>
         </a:p>
       </dsp:txBody>
       <dsp:txXfrm>
-        <a:off x="1472266" y="1948659"/>
-        <a:ext cx="1248046" cy="499218"/>
+        <a:off x="1702399" y="2038152"/>
+        <a:ext cx="1444921" cy="577968"/>
       </dsp:txXfrm>
     </dsp:sp>
     <dsp:sp modelId="{1A9200AE-3EEB-4F06-8B39-F6F7AE0AEEBA}">
@@ -4891,8 +4929,8 @@
       </dsp:nvSpPr>
       <dsp:spPr>
         <a:xfrm>
-          <a:off x="3281934" y="1169967"/>
-          <a:ext cx="561621" cy="561621"/>
+          <a:off x="3797536" y="1161293"/>
+          <a:ext cx="650214" cy="650214"/>
         </a:xfrm>
         <a:prstGeom prst="rect">
           <a:avLst/>
@@ -4940,8 +4978,8 @@
       </dsp:nvSpPr>
       <dsp:spPr>
         <a:xfrm>
-          <a:off x="2938721" y="1948659"/>
-          <a:ext cx="1248046" cy="499218"/>
+          <a:off x="3400182" y="2038152"/>
+          <a:ext cx="1444921" cy="577968"/>
         </a:xfrm>
         <a:prstGeom prst="rect">
           <a:avLst/>
@@ -4970,7 +5008,7 @@
         </a:bodyPr>
         <a:lstStyle/>
         <a:p>
-          <a:pPr marL="0" lvl="0" indent="0" algn="ctr" defTabSz="711200">
+          <a:pPr marL="0" lvl="0" indent="0" algn="ctr" defTabSz="844550">
             <a:lnSpc>
               <a:spcPct val="90000"/>
             </a:lnSpc>
@@ -4983,15 +5021,15 @@
             <a:buNone/>
           </a:pPr>
           <a:r>
-            <a:rPr lang="nl-NL" sz="1600" kern="1200"/>
+            <a:rPr lang="nl-NL" sz="1900" kern="1200"/>
             <a:t>PCB</a:t>
           </a:r>
-          <a:endParaRPr lang="en-US" sz="1600" kern="1200"/>
+          <a:endParaRPr lang="en-US" sz="1900" kern="1200"/>
         </a:p>
       </dsp:txBody>
       <dsp:txXfrm>
-        <a:off x="2938721" y="1948659"/>
-        <a:ext cx="1248046" cy="499218"/>
+        <a:off x="3400182" y="2038152"/>
+        <a:ext cx="1444921" cy="577968"/>
       </dsp:txXfrm>
     </dsp:sp>
     <dsp:sp modelId="{7A123E4E-0C13-45A3-B8E3-46F658581CDB}">
@@ -5001,8 +5039,8 @@
       </dsp:nvSpPr>
       <dsp:spPr>
         <a:xfrm>
-          <a:off x="4748389" y="1169967"/>
-          <a:ext cx="561621" cy="561621"/>
+          <a:off x="5495319" y="1161293"/>
+          <a:ext cx="650214" cy="650214"/>
         </a:xfrm>
         <a:prstGeom prst="rect">
           <a:avLst/>
@@ -5050,8 +5088,8 @@
       </dsp:nvSpPr>
       <dsp:spPr>
         <a:xfrm>
-          <a:off x="4405176" y="1948659"/>
-          <a:ext cx="1248046" cy="499218"/>
+          <a:off x="5097966" y="2038152"/>
+          <a:ext cx="1444921" cy="577968"/>
         </a:xfrm>
         <a:prstGeom prst="rect">
           <a:avLst/>
@@ -5080,7 +5118,7 @@
         </a:bodyPr>
         <a:lstStyle/>
         <a:p>
-          <a:pPr marL="0" lvl="0" indent="0" algn="ctr" defTabSz="711200">
+          <a:pPr marL="0" lvl="0" indent="0" algn="ctr" defTabSz="844550">
             <a:lnSpc>
               <a:spcPct val="90000"/>
             </a:lnSpc>
@@ -5093,15 +5131,15 @@
             <a:buNone/>
           </a:pPr>
           <a:r>
-            <a:rPr lang="nl-NL" sz="1600" kern="1200" dirty="0"/>
+            <a:rPr lang="nl-NL" sz="1900" kern="1200" dirty="0"/>
             <a:t>Case</a:t>
           </a:r>
-          <a:endParaRPr lang="en-US" sz="1600" kern="1200" dirty="0"/>
+          <a:endParaRPr lang="en-US" sz="1900" kern="1200" dirty="0"/>
         </a:p>
       </dsp:txBody>
       <dsp:txXfrm>
-        <a:off x="4405176" y="1948659"/>
-        <a:ext cx="1248046" cy="499218"/>
+        <a:off x="5097966" y="2038152"/>
+        <a:ext cx="1444921" cy="577968"/>
       </dsp:txXfrm>
     </dsp:sp>
     <dsp:sp modelId="{558D00FE-3D80-4017-81F1-77F3B9907F00}">
@@ -5111,8 +5149,8 @@
       </dsp:nvSpPr>
       <dsp:spPr>
         <a:xfrm>
-          <a:off x="6214844" y="1169967"/>
-          <a:ext cx="561621" cy="561621"/>
+          <a:off x="7193102" y="1161293"/>
+          <a:ext cx="650214" cy="650214"/>
         </a:xfrm>
         <a:prstGeom prst="rect">
           <a:avLst/>
@@ -5160,8 +5198,8 @@
       </dsp:nvSpPr>
       <dsp:spPr>
         <a:xfrm>
-          <a:off x="5871631" y="1948659"/>
-          <a:ext cx="1248046" cy="499218"/>
+          <a:off x="6795749" y="2038152"/>
+          <a:ext cx="1444921" cy="577968"/>
         </a:xfrm>
         <a:prstGeom prst="rect">
           <a:avLst/>
@@ -5190,7 +5228,7 @@
         </a:bodyPr>
         <a:lstStyle/>
         <a:p>
-          <a:pPr marL="0" lvl="0" indent="0" algn="ctr" defTabSz="711200">
+          <a:pPr marL="0" lvl="0" indent="0" algn="ctr" defTabSz="844550">
             <a:lnSpc>
               <a:spcPct val="90000"/>
             </a:lnSpc>
@@ -5203,14 +5241,14 @@
             <a:buNone/>
           </a:pPr>
           <a:r>
-            <a:rPr lang="en-US" sz="1600" kern="1200"/>
+            <a:rPr lang="en-US" sz="1900" kern="1200"/>
             <a:t>Best Moments</a:t>
           </a:r>
         </a:p>
       </dsp:txBody>
       <dsp:txXfrm>
-        <a:off x="5871631" y="1948659"/>
-        <a:ext cx="1248046" cy="499218"/>
+        <a:off x="6795749" y="2038152"/>
+        <a:ext cx="1444921" cy="577968"/>
       </dsp:txXfrm>
     </dsp:sp>
     <dsp:sp modelId="{BE2FD834-C1CE-4915-89E6-B3F54C06B9D3}">
@@ -5220,8 +5258,8 @@
       </dsp:nvSpPr>
       <dsp:spPr>
         <a:xfrm>
-          <a:off x="7681299" y="1169967"/>
-          <a:ext cx="561621" cy="561621"/>
+          <a:off x="8890885" y="1161293"/>
+          <a:ext cx="650214" cy="650214"/>
         </a:xfrm>
         <a:prstGeom prst="rect">
           <a:avLst/>
@@ -5269,8 +5307,8 @@
       </dsp:nvSpPr>
       <dsp:spPr>
         <a:xfrm>
-          <a:off x="7338086" y="1948659"/>
-          <a:ext cx="1248046" cy="499218"/>
+          <a:off x="8493532" y="2038152"/>
+          <a:ext cx="1444921" cy="577968"/>
         </a:xfrm>
         <a:prstGeom prst="rect">
           <a:avLst/>
@@ -5299,7 +5337,7 @@
         </a:bodyPr>
         <a:lstStyle/>
         <a:p>
-          <a:pPr marL="0" lvl="0" indent="0" algn="ctr" defTabSz="711200">
+          <a:pPr marL="0" lvl="0" indent="0" algn="ctr" defTabSz="844550">
             <a:lnSpc>
               <a:spcPct val="90000"/>
             </a:lnSpc>
@@ -5312,14 +5350,14 @@
             <a:buNone/>
           </a:pPr>
           <a:r>
-            <a:rPr lang="en-US" sz="1600" kern="1200"/>
+            <a:rPr lang="en-US" sz="1900" kern="1200"/>
             <a:t>Worst  Moments</a:t>
           </a:r>
         </a:p>
       </dsp:txBody>
       <dsp:txXfrm>
-        <a:off x="7338086" y="1948659"/>
-        <a:ext cx="1248046" cy="499218"/>
+        <a:off x="8493532" y="2038152"/>
+        <a:ext cx="1444921" cy="577968"/>
       </dsp:txXfrm>
     </dsp:sp>
     <dsp:sp modelId="{06768F2B-B30C-4810-AB23-AAA9E5D06342}">
@@ -5329,8 +5367,8 @@
       </dsp:nvSpPr>
       <dsp:spPr>
         <a:xfrm>
-          <a:off x="9147754" y="1169967"/>
-          <a:ext cx="561621" cy="561621"/>
+          <a:off x="10588669" y="1161293"/>
+          <a:ext cx="650214" cy="650214"/>
         </a:xfrm>
         <a:prstGeom prst="rect">
           <a:avLst/>
@@ -5378,8 +5416,8 @@
       </dsp:nvSpPr>
       <dsp:spPr>
         <a:xfrm>
-          <a:off x="8804541" y="1948659"/>
-          <a:ext cx="1248046" cy="499218"/>
+          <a:off x="10191315" y="2038152"/>
+          <a:ext cx="1444921" cy="577968"/>
         </a:xfrm>
         <a:prstGeom prst="rect">
           <a:avLst/>
@@ -5408,7 +5446,7 @@
         </a:bodyPr>
         <a:lstStyle/>
         <a:p>
-          <a:pPr marL="0" lvl="0" indent="0" algn="ctr" defTabSz="711200">
+          <a:pPr marL="0" lvl="0" indent="0" algn="ctr" defTabSz="844550">
             <a:lnSpc>
               <a:spcPct val="90000"/>
             </a:lnSpc>
@@ -5421,15 +5459,15 @@
             <a:buNone/>
           </a:pPr>
           <a:r>
-            <a:rPr lang="nl-NL" sz="1600" kern="1200"/>
+            <a:rPr lang="nl-NL" sz="1900" kern="1200"/>
             <a:t>Cost</a:t>
           </a:r>
-          <a:endParaRPr lang="en-US" sz="1600" kern="1200"/>
+          <a:endParaRPr lang="en-US" sz="1900" kern="1200"/>
         </a:p>
       </dsp:txBody>
       <dsp:txXfrm>
-        <a:off x="8804541" y="1948659"/>
-        <a:ext cx="1248046" cy="499218"/>
+        <a:off x="10191315" y="2038152"/>
+        <a:ext cx="1444921" cy="577968"/>
       </dsp:txXfrm>
     </dsp:sp>
   </dsp:spTree>
@@ -5957,12 +5995,12 @@
         </a:fontRef>
       </dsp:style>
       <dsp:txBody>
-        <a:bodyPr spcFirstLastPara="0" vert="horz" wrap="square" lIns="152400" tIns="152400" rIns="152400" bIns="152400" numCol="1" spcCol="1270" anchor="ctr" anchorCtr="0">
+        <a:bodyPr spcFirstLastPara="0" vert="horz" wrap="square" lIns="140970" tIns="140970" rIns="140970" bIns="140970" numCol="1" spcCol="1270" anchor="ctr" anchorCtr="0">
           <a:noAutofit/>
         </a:bodyPr>
         <a:lstStyle/>
         <a:p>
-          <a:pPr marL="0" lvl="0" indent="0" algn="ctr" defTabSz="1778000">
+          <a:pPr marL="0" lvl="0" indent="0" algn="ctr" defTabSz="1644650">
             <a:lnSpc>
               <a:spcPct val="90000"/>
             </a:lnSpc>
@@ -5975,10 +6013,10 @@
             <a:buNone/>
           </a:pPr>
           <a:r>
-            <a:rPr lang="nl-NL" sz="4000" kern="1200"/>
+            <a:rPr lang="nl-NL" sz="3700" kern="1200"/>
             <a:t>Price</a:t>
           </a:r>
-          <a:endParaRPr lang="en-US" sz="4000" kern="1200"/>
+          <a:endParaRPr lang="en-US" sz="3700" kern="1200"/>
         </a:p>
       </dsp:txBody>
       <dsp:txXfrm>
@@ -6035,12 +6073,12 @@
         </a:fontRef>
       </dsp:style>
       <dsp:txBody>
-        <a:bodyPr spcFirstLastPara="0" vert="horz" wrap="square" lIns="152400" tIns="152400" rIns="152400" bIns="152400" numCol="1" spcCol="1270" anchor="ctr" anchorCtr="0">
+        <a:bodyPr spcFirstLastPara="0" vert="horz" wrap="square" lIns="140970" tIns="140970" rIns="140970" bIns="140970" numCol="1" spcCol="1270" anchor="ctr" anchorCtr="0">
           <a:noAutofit/>
         </a:bodyPr>
         <a:lstStyle/>
         <a:p>
-          <a:pPr marL="0" lvl="0" indent="0" algn="ctr" defTabSz="1778000">
+          <a:pPr marL="0" lvl="0" indent="0" algn="ctr" defTabSz="1644650">
             <a:lnSpc>
               <a:spcPct val="90000"/>
             </a:lnSpc>
@@ -6053,10 +6091,10 @@
             <a:buNone/>
           </a:pPr>
           <a:r>
-            <a:rPr lang="nl-NL" sz="4000" kern="1200"/>
+            <a:rPr lang="nl-NL" sz="3700" kern="1200"/>
             <a:t>Silkscreen</a:t>
           </a:r>
-          <a:endParaRPr lang="en-US" sz="4000" kern="1200"/>
+          <a:endParaRPr lang="en-US" sz="3700" kern="1200"/>
         </a:p>
       </dsp:txBody>
       <dsp:txXfrm>
@@ -6113,12 +6151,12 @@
         </a:fontRef>
       </dsp:style>
       <dsp:txBody>
-        <a:bodyPr spcFirstLastPara="0" vert="horz" wrap="square" lIns="152400" tIns="152400" rIns="152400" bIns="152400" numCol="1" spcCol="1270" anchor="ctr" anchorCtr="0">
+        <a:bodyPr spcFirstLastPara="0" vert="horz" wrap="square" lIns="140970" tIns="140970" rIns="140970" bIns="140970" numCol="1" spcCol="1270" anchor="ctr" anchorCtr="0">
           <a:noAutofit/>
         </a:bodyPr>
         <a:lstStyle/>
         <a:p>
-          <a:pPr marL="0" lvl="0" indent="0" algn="ctr" defTabSz="1778000">
+          <a:pPr marL="0" lvl="0" indent="0" algn="ctr" defTabSz="1644650">
             <a:lnSpc>
               <a:spcPct val="90000"/>
             </a:lnSpc>
@@ -6131,10 +6169,10 @@
             <a:buNone/>
           </a:pPr>
           <a:r>
-            <a:rPr lang="nl-NL" sz="4000" kern="1200"/>
+            <a:rPr lang="nl-NL" sz="3700" kern="1200"/>
             <a:t>Timing</a:t>
           </a:r>
-          <a:endParaRPr lang="en-US" sz="4000" kern="1200"/>
+          <a:endParaRPr lang="en-US" sz="3700" kern="1200"/>
         </a:p>
       </dsp:txBody>
       <dsp:txXfrm>
@@ -6149,7 +6187,7 @@
       </dsp:nvSpPr>
       <dsp:spPr>
         <a:xfrm>
-          <a:off x="3639294" y="1947913"/>
+          <a:off x="2110397" y="1947913"/>
           <a:ext cx="2779811" cy="1667887"/>
         </a:xfrm>
         <a:prstGeom prst="rect">
@@ -6191,12 +6229,12 @@
         </a:fontRef>
       </dsp:style>
       <dsp:txBody>
-        <a:bodyPr spcFirstLastPara="0" vert="horz" wrap="square" lIns="152400" tIns="152400" rIns="152400" bIns="152400" numCol="1" spcCol="1270" anchor="ctr" anchorCtr="0">
+        <a:bodyPr spcFirstLastPara="0" vert="horz" wrap="square" lIns="140970" tIns="140970" rIns="140970" bIns="140970" numCol="1" spcCol="1270" anchor="ctr" anchorCtr="0">
           <a:noAutofit/>
         </a:bodyPr>
         <a:lstStyle/>
         <a:p>
-          <a:pPr marL="0" lvl="0" indent="0" algn="ctr" defTabSz="1778000">
+          <a:pPr marL="0" lvl="0" indent="0" algn="ctr" defTabSz="1644650">
             <a:lnSpc>
               <a:spcPct val="90000"/>
             </a:lnSpc>
@@ -6209,13 +6247,90 @@
             <a:buNone/>
           </a:pPr>
           <a:r>
-            <a:rPr lang="nl-NL" sz="4000" kern="1200" dirty="0"/>
+            <a:rPr lang="nl-NL" sz="3700" kern="1200" dirty="0"/>
             <a:t>Learning</a:t>
           </a:r>
         </a:p>
       </dsp:txBody>
       <dsp:txXfrm>
-        <a:off x="3639294" y="1947913"/>
+        <a:off x="2110397" y="1947913"/>
+        <a:ext cx="2779811" cy="1667887"/>
+      </dsp:txXfrm>
+    </dsp:sp>
+    <dsp:sp modelId="{1486C01B-4EC0-4FAF-A856-4B6865A30AE6}">
+      <dsp:nvSpPr>
+        <dsp:cNvPr id="0" name=""/>
+        <dsp:cNvSpPr/>
+      </dsp:nvSpPr>
+      <dsp:spPr>
+        <a:xfrm>
+          <a:off x="5168190" y="1947913"/>
+          <a:ext cx="2779811" cy="1667887"/>
+        </a:xfrm>
+        <a:prstGeom prst="rect">
+          <a:avLst/>
+        </a:prstGeom>
+        <a:solidFill>
+          <a:schemeClr val="accent6">
+            <a:hueOff val="0"/>
+            <a:satOff val="0"/>
+            <a:lumOff val="0"/>
+            <a:alphaOff val="0"/>
+          </a:schemeClr>
+        </a:solidFill>
+        <a:ln w="12700" cap="flat" cmpd="sng" algn="ctr">
+          <a:solidFill>
+            <a:schemeClr val="lt1">
+              <a:hueOff val="0"/>
+              <a:satOff val="0"/>
+              <a:lumOff val="0"/>
+              <a:alphaOff val="0"/>
+            </a:schemeClr>
+          </a:solidFill>
+          <a:prstDash val="solid"/>
+        </a:ln>
+        <a:effectLst/>
+      </dsp:spPr>
+      <dsp:style>
+        <a:lnRef idx="2">
+          <a:scrgbClr r="0" g="0" b="0"/>
+        </a:lnRef>
+        <a:fillRef idx="1">
+          <a:scrgbClr r="0" g="0" b="0"/>
+        </a:fillRef>
+        <a:effectRef idx="0">
+          <a:scrgbClr r="0" g="0" b="0"/>
+        </a:effectRef>
+        <a:fontRef idx="minor">
+          <a:schemeClr val="lt1"/>
+        </a:fontRef>
+      </dsp:style>
+      <dsp:txBody>
+        <a:bodyPr spcFirstLastPara="0" vert="horz" wrap="square" lIns="140970" tIns="140970" rIns="140970" bIns="140970" numCol="1" spcCol="1270" anchor="ctr" anchorCtr="0">
+          <a:noAutofit/>
+        </a:bodyPr>
+        <a:lstStyle/>
+        <a:p>
+          <a:pPr marL="0" lvl="0" indent="0" algn="ctr" defTabSz="1644650">
+            <a:lnSpc>
+              <a:spcPct val="90000"/>
+            </a:lnSpc>
+            <a:spcBef>
+              <a:spcPct val="0"/>
+            </a:spcBef>
+            <a:spcAft>
+              <a:spcPct val="35000"/>
+            </a:spcAft>
+            <a:buNone/>
+          </a:pPr>
+          <a:r>
+            <a:rPr lang="nl-NL" sz="3700" kern="1200" dirty="0"/>
+            <a:t>Incomplete</a:t>
+          </a:r>
+        </a:p>
+      </dsp:txBody>
+      <dsp:txXfrm>
+        <a:off x="5168190" y="1947913"/>
         <a:ext cx="2779811" cy="1667887"/>
       </dsp:txXfrm>
     </dsp:sp>
@@ -11158,7 +11273,7 @@
           <a:p>
             <a:fld id="{7175E63B-3B88-4289-9247-2DEFF94BE2A6}" type="datetimeFigureOut">
               <a:rPr lang="nl-BE" smtClean="0"/>
-              <a:t>6/06/2023</a:t>
+              <a:t>7/06/2023</a:t>
             </a:fld>
             <a:endParaRPr lang="nl-BE"/>
           </a:p>
@@ -11489,7 +11604,7 @@
             </a:pPr>
             <a:r>
               <a:rPr lang="nl-NL" dirty="0"/>
-              <a:t>Simplifying Complexity : Hard Time S1</a:t>
+              <a:t>Simplifying Complexity : We mochten kiezen,  Hard Time S1</a:t>
             </a:r>
             <a:br>
               <a:rPr lang="nl-NL" dirty="0"/>
@@ -11644,12 +11759,60 @@
             </a:r>
           </a:p>
           <a:p>
+            <a:pPr lvl="2" algn="l">
+              <a:buFont typeface="+mj-lt"/>
+              <a:buAutoNum type="arabicPeriod"/>
+            </a:pPr>
+            <a:r>
+              <a:rPr lang="en-US" b="0" i="0" dirty="0">
+                <a:solidFill>
+                  <a:srgbClr val="D1D5DB"/>
+                </a:solidFill>
+                <a:effectLst/>
+                <a:latin typeface="Söhne"/>
+              </a:rPr>
+              <a:t>Components to be Soldered:</a:t>
+            </a:r>
+          </a:p>
+          <a:p>
+            <a:pPr marL="1657350" lvl="3" indent="-285750" algn="l">
+              <a:buFont typeface="+mj-lt"/>
+              <a:buAutoNum type="arabicPeriod"/>
+            </a:pPr>
+            <a:r>
+              <a:rPr lang="en-US" b="0" i="0" dirty="0">
+                <a:solidFill>
+                  <a:srgbClr val="D1D5DB"/>
+                </a:solidFill>
+                <a:effectLst/>
+                <a:latin typeface="Söhne"/>
+              </a:rPr>
+              <a:t>Small electronic components, such as resistors or capacitors, represented by symbols or icons.</a:t>
+            </a:r>
+          </a:p>
+          <a:p>
+            <a:pPr marL="1657350" lvl="3" indent="-285750" algn="l">
+              <a:buFont typeface="+mj-lt"/>
+              <a:buAutoNum type="arabicPeriod"/>
+            </a:pPr>
+            <a:r>
+              <a:rPr lang="en-US" b="0" i="0" dirty="0">
+                <a:solidFill>
+                  <a:srgbClr val="D1D5DB"/>
+                </a:solidFill>
+                <a:effectLst/>
+                <a:latin typeface="Söhne"/>
+              </a:rPr>
+              <a:t>Connection lines between the components.</a:t>
+            </a:r>
+          </a:p>
+          <a:p>
             <a:pPr algn="l">
               <a:buFont typeface="+mj-lt"/>
               <a:buAutoNum type="arabicPeriod"/>
             </a:pPr>
             <a:r>
-              <a:rPr lang="en-US" b="0" i="0">
+              <a:rPr lang="en-US" b="0" i="0" dirty="0">
                 <a:solidFill>
                   <a:srgbClr val="D1D5DB"/>
                 </a:solidFill>
@@ -11665,16 +11828,6 @@
               <a:buAutoNum type="arabicPeriod"/>
             </a:pPr>
             <a:r>
-              <a:rPr lang="en-US" b="0" i="0">
-                <a:solidFill>
-                  <a:srgbClr val="D1D5DB"/>
-                </a:solidFill>
-                <a:effectLst/>
-                <a:latin typeface="Söhne"/>
-              </a:rPr>
-              <a:t>Box </a:t>
-            </a:r>
-            <a:r>
               <a:rPr lang="en-US" b="0" i="0" dirty="0">
                 <a:solidFill>
                   <a:srgbClr val="D1D5DB"/>
@@ -11682,7 +11835,7 @@
                 <a:effectLst/>
                 <a:latin typeface="Söhne"/>
               </a:rPr>
-              <a:t>representing the power supply unit.</a:t>
+              <a:t>Box representing the power supply unit.</a:t>
             </a:r>
           </a:p>
           <a:p>
@@ -11747,71 +11900,7 @@
                 <a:effectLst/>
                 <a:latin typeface="Söhne"/>
               </a:rPr>
-              <a:t>Dial or control panel representing the temperature control mechanism.</a:t>
-            </a:r>
-          </a:p>
-          <a:p>
-            <a:pPr marL="742950" lvl="1" indent="-285750" algn="l">
-              <a:buFont typeface="+mj-lt"/>
-              <a:buAutoNum type="arabicPeriod"/>
-            </a:pPr>
-            <a:r>
-              <a:rPr lang="en-US" b="0" i="0" dirty="0">
-                <a:solidFill>
-                  <a:srgbClr val="D1D5DB"/>
-                </a:solidFill>
-                <a:effectLst/>
-                <a:latin typeface="Söhne"/>
-              </a:rPr>
               <a:t>Connection lines linking the temperature control mechanism to the soldering iron.</a:t>
-            </a:r>
-          </a:p>
-          <a:p>
-            <a:pPr algn="l">
-              <a:buFont typeface="+mj-lt"/>
-              <a:buAutoNum type="arabicPeriod"/>
-            </a:pPr>
-            <a:r>
-              <a:rPr lang="en-US" b="0" i="0" dirty="0">
-                <a:solidFill>
-                  <a:srgbClr val="D1D5DB"/>
-                </a:solidFill>
-                <a:effectLst/>
-                <a:latin typeface="Söhne"/>
-              </a:rPr>
-              <a:t>Components to be Soldered:</a:t>
-            </a:r>
-          </a:p>
-          <a:p>
-            <a:pPr marL="742950" lvl="1" indent="-285750" algn="l">
-              <a:buFont typeface="+mj-lt"/>
-              <a:buAutoNum type="arabicPeriod"/>
-            </a:pPr>
-            <a:r>
-              <a:rPr lang="en-US" b="0" i="0" dirty="0">
-                <a:solidFill>
-                  <a:srgbClr val="D1D5DB"/>
-                </a:solidFill>
-                <a:effectLst/>
-                <a:latin typeface="Söhne"/>
-              </a:rPr>
-              <a:t>Small electronic components, such as resistors or capacitors, represented by symbols or icons.</a:t>
-            </a:r>
-          </a:p>
-          <a:p>
-            <a:pPr marL="742950" lvl="1" indent="-285750" algn="l">
-              <a:buFont typeface="+mj-lt"/>
-              <a:buAutoNum type="arabicPeriod"/>
-            </a:pPr>
-            <a:r>
-              <a:rPr lang="en-US" b="0" i="0" dirty="0">
-                <a:solidFill>
-                  <a:srgbClr val="D1D5DB"/>
-                </a:solidFill>
-                <a:effectLst/>
-                <a:latin typeface="Söhne"/>
-              </a:rPr>
-              <a:t>Connection lines between the components.</a:t>
             </a:r>
           </a:p>
           <a:p>
@@ -11996,6 +12085,114 @@
           <a:lstStyle/>
           <a:p>
             <a:r>
+              <a:rPr lang="nl-NL" dirty="0"/>
+              <a:t>Lost hope</a:t>
+            </a:r>
+          </a:p>
+          <a:p>
+            <a:r>
+              <a:rPr lang="nl-NL" dirty="0" err="1"/>
+              <a:t>Did</a:t>
+            </a:r>
+            <a:r>
+              <a:rPr lang="nl-NL" dirty="0"/>
+              <a:t> </a:t>
+            </a:r>
+            <a:r>
+              <a:rPr lang="nl-NL" dirty="0" err="1"/>
+              <a:t>not</a:t>
+            </a:r>
+            <a:r>
+              <a:rPr lang="nl-NL" dirty="0"/>
+              <a:t> gave up</a:t>
+            </a:r>
+          </a:p>
+          <a:p>
+            <a:endParaRPr lang="nl-NL" dirty="0"/>
+          </a:p>
+        </p:txBody>
+      </p:sp>
+      <p:sp>
+        <p:nvSpPr>
+          <p:cNvPr id="4" name="Tijdelijke aanduiding voor dianummer 3"/>
+          <p:cNvSpPr>
+            <a:spLocks noGrp="1"/>
+          </p:cNvSpPr>
+          <p:nvPr>
+            <p:ph type="sldNum" sz="quarter" idx="5"/>
+          </p:nvPr>
+        </p:nvSpPr>
+        <p:spPr/>
+        <p:txBody>
+          <a:bodyPr/>
+          <a:lstStyle/>
+          <a:p>
+            <a:fld id="{087666F1-3324-4557-B100-E53C62A2945F}" type="slidenum">
+              <a:rPr lang="nl-BE" smtClean="0"/>
+              <a:t>6</a:t>
+            </a:fld>
+            <a:endParaRPr lang="nl-BE"/>
+          </a:p>
+        </p:txBody>
+      </p:sp>
+    </p:spTree>
+    <p:extLst>
+      <p:ext uri="{BB962C8B-B14F-4D97-AF65-F5344CB8AC3E}">
+        <p14:creationId xmlns:p14="http://schemas.microsoft.com/office/powerpoint/2010/main" val="4102275940"/>
+      </p:ext>
+    </p:extLst>
+  </p:cSld>
+  <p:clrMapOvr>
+    <a:masterClrMapping/>
+  </p:clrMapOvr>
+</p:notes>
+</file>
+
+<file path=ppt/notesSlides/notesSlide4.xml><?xml version="1.0" encoding="utf-8"?>
+<p:notes xmlns:a="http://schemas.openxmlformats.org/drawingml/2006/main" xmlns:r="http://schemas.openxmlformats.org/officeDocument/2006/relationships" xmlns:p="http://schemas.openxmlformats.org/presentationml/2006/main">
+  <p:cSld>
+    <p:spTree>
+      <p:nvGrpSpPr>
+        <p:cNvPr id="1" name=""/>
+        <p:cNvGrpSpPr/>
+        <p:nvPr/>
+      </p:nvGrpSpPr>
+      <p:grpSpPr>
+        <a:xfrm>
+          <a:off x="0" y="0"/>
+          <a:ext cx="0" cy="0"/>
+          <a:chOff x="0" y="0"/>
+          <a:chExt cx="0" cy="0"/>
+        </a:xfrm>
+      </p:grpSpPr>
+      <p:sp>
+        <p:nvSpPr>
+          <p:cNvPr id="2" name="Tijdelijke aanduiding voor dia-afbeelding 1"/>
+          <p:cNvSpPr>
+            <a:spLocks noGrp="1" noRot="1" noChangeAspect="1"/>
+          </p:cNvSpPr>
+          <p:nvPr>
+            <p:ph type="sldImg"/>
+          </p:nvPr>
+        </p:nvSpPr>
+        <p:spPr/>
+      </p:sp>
+      <p:sp>
+        <p:nvSpPr>
+          <p:cNvPr id="3" name="Tijdelijke aanduiding voor notities 2"/>
+          <p:cNvSpPr>
+            <a:spLocks noGrp="1"/>
+          </p:cNvSpPr>
+          <p:nvPr>
+            <p:ph type="body" idx="1"/>
+          </p:nvPr>
+        </p:nvSpPr>
+        <p:spPr/>
+        <p:txBody>
+          <a:bodyPr/>
+          <a:lstStyle/>
+          <a:p>
+            <a:r>
               <a:rPr lang="nl-NL" dirty="0" err="1"/>
               <a:t>Not</a:t>
             </a:r>
@@ -12054,6 +12251,25 @@
             </a:r>
           </a:p>
           <a:p>
+            <a:r>
+              <a:rPr lang="nl-NL" dirty="0"/>
+              <a:t> </a:t>
+            </a:r>
+            <a:r>
+              <a:rPr lang="nl-NL" dirty="0" err="1"/>
+              <a:t>Not</a:t>
+            </a:r>
+            <a:r>
+              <a:rPr lang="nl-NL" dirty="0"/>
+              <a:t> </a:t>
+            </a:r>
+            <a:r>
+              <a:rPr lang="nl-NL" dirty="0" err="1"/>
+              <a:t>done</a:t>
+            </a:r>
+            <a:endParaRPr lang="nl-NL" dirty="0"/>
+          </a:p>
+          <a:p>
             <a:endParaRPr lang="nl-NL" dirty="0"/>
           </a:p>
         </p:txBody>
@@ -12094,7 +12310,7 @@
 </p:notes>
 </file>
 
-<file path=ppt/notesSlides/notesSlide4.xml><?xml version="1.0" encoding="utf-8"?>
+<file path=ppt/notesSlides/notesSlide5.xml><?xml version="1.0" encoding="utf-8"?>
 <p:notes xmlns:a="http://schemas.openxmlformats.org/drawingml/2006/main" xmlns:r="http://schemas.openxmlformats.org/officeDocument/2006/relationships" xmlns:p="http://schemas.openxmlformats.org/presentationml/2006/main">
   <p:cSld>
     <p:spTree>
@@ -12581,7 +12797,7 @@
           <a:p>
             <a:fld id="{83284890-85D2-4D7B-8EF5-15A9C1DB8F42}" type="datetimeFigureOut">
               <a:rPr lang="en-US" dirty="0"/>
-              <a:t>6/6/2023</a:t>
+              <a:t>6/7/2023</a:t>
             </a:fld>
             <a:endParaRPr lang="en-US" dirty="0"/>
           </a:p>
@@ -12756,7 +12972,7 @@
           <a:p>
             <a:fld id="{87157CC2-0FC8-4686-B024-99790E0F5162}" type="datetimeFigureOut">
               <a:rPr lang="en-US" dirty="0"/>
-              <a:t>6/6/2023</a:t>
+              <a:t>6/7/2023</a:t>
             </a:fld>
             <a:endParaRPr lang="en-US" dirty="0"/>
           </a:p>
@@ -12931,7 +13147,7 @@
           <a:p>
             <a:fld id="{F6764DA5-CD3D-4590-A511-FCD3BC7A793E}" type="datetimeFigureOut">
               <a:rPr lang="en-US" dirty="0"/>
-              <a:t>6/6/2023</a:t>
+              <a:t>6/7/2023</a:t>
             </a:fld>
             <a:endParaRPr lang="en-US" dirty="0"/>
           </a:p>
@@ -13096,7 +13312,7 @@
           <a:p>
             <a:fld id="{82F5661D-6934-4B32-B92C-470368BF1EC6}" type="datetimeFigureOut">
               <a:rPr lang="en-US" dirty="0"/>
-              <a:t>6/6/2023</a:t>
+              <a:t>6/7/2023</a:t>
             </a:fld>
             <a:endParaRPr lang="en-US" dirty="0"/>
           </a:p>
@@ -13404,7 +13620,7 @@
           <a:p>
             <a:fld id="{C6F822A4-8DA6-4447-9B1F-C5DB58435268}" type="datetimeFigureOut">
               <a:rPr lang="en-US" dirty="0"/>
-              <a:t>6/6/2023</a:t>
+              <a:t>6/7/2023</a:t>
             </a:fld>
             <a:endParaRPr lang="en-US" dirty="0"/>
           </a:p>
@@ -13786,7 +14002,7 @@
           <a:p>
             <a:fld id="{E548D31E-DCDA-41A7-9C67-C4B11B94D21D}" type="datetimeFigureOut">
               <a:rPr lang="en-US" dirty="0"/>
-              <a:t>6/6/2023</a:t>
+              <a:t>6/7/2023</a:t>
             </a:fld>
             <a:endParaRPr lang="en-US" dirty="0"/>
           </a:p>
@@ -14215,7 +14431,7 @@
           <a:p>
             <a:fld id="{9B3762C0-B258-48F1-ADE6-176B4174CCDD}" type="datetimeFigureOut">
               <a:rPr lang="en-US" dirty="0"/>
-              <a:t>6/6/2023</a:t>
+              <a:t>6/7/2023</a:t>
             </a:fld>
             <a:endParaRPr lang="en-US" dirty="0"/>
           </a:p>
@@ -14328,7 +14544,7 @@
           <a:p>
             <a:fld id="{677919A6-33EB-49BD-A62F-1FA56B9F9712}" type="datetimeFigureOut">
               <a:rPr lang="en-US" dirty="0"/>
-              <a:t>6/6/2023</a:t>
+              <a:t>6/7/2023</a:t>
             </a:fld>
             <a:endParaRPr lang="en-US" dirty="0"/>
           </a:p>
@@ -14418,7 +14634,7 @@
           <a:p>
             <a:fld id="{CA4E7D1B-D673-4CF6-8672-009D42ABD2A0}" type="datetimeFigureOut">
               <a:rPr lang="en-US" dirty="0"/>
-              <a:t>6/6/2023</a:t>
+              <a:t>6/7/2023</a:t>
             </a:fld>
             <a:endParaRPr lang="en-US" dirty="0"/>
           </a:p>
@@ -14763,7 +14979,7 @@
           <a:p>
             <a:fld id="{DA16AA21-1863-4931-97CB-99D0A168701B}" type="datetimeFigureOut">
               <a:rPr lang="en-US" dirty="0"/>
-              <a:t>6/6/2023</a:t>
+              <a:t>6/7/2023</a:t>
             </a:fld>
             <a:endParaRPr lang="en-US" dirty="0"/>
           </a:p>
@@ -15183,7 +15399,7 @@
           <a:p>
             <a:fld id="{3772C379-9A7C-4C87-A116-CBE9F58B04C5}" type="datetimeFigureOut">
               <a:rPr lang="en-US" dirty="0"/>
-              <a:t>6/6/2023</a:t>
+              <a:t>6/7/2023</a:t>
             </a:fld>
             <a:endParaRPr lang="en-US" dirty="0"/>
           </a:p>
@@ -15459,7 +15675,7 @@
           <a:p>
             <a:fld id="{8664C608-40B1-4030-A28D-5B74BC98ADCE}" type="datetimeFigureOut">
               <a:rPr lang="en-US" dirty="0"/>
-              <a:t>6/6/2023</a:t>
+              <a:t>6/7/2023</a:t>
             </a:fld>
             <a:endParaRPr lang="en-US" dirty="0"/>
           </a:p>
@@ -17474,14 +17690,14 @@
             <p:ph idx="1"/>
             <p:extLst>
               <p:ext uri="{D42A27DB-BD31-4B8C-83A1-F6EECF244321}">
-                <p14:modId xmlns:p14="http://schemas.microsoft.com/office/powerpoint/2010/main" val="2523999152"/>
+                <p14:modId xmlns:p14="http://schemas.microsoft.com/office/powerpoint/2010/main" val="4083613507"/>
               </p:ext>
             </p:extLst>
           </p:nvPr>
         </p:nvGraphicFramePr>
         <p:xfrm>
-          <a:off x="1069975" y="2385390"/>
-          <a:ext cx="10058400" cy="3617845"/>
+          <a:off x="275573" y="2385390"/>
+          <a:ext cx="11640854" cy="3777415"/>
         </p:xfrm>
         <a:graphic>
           <a:graphicData uri="http://schemas.openxmlformats.org/drawingml/2006/diagram">
@@ -17844,169 +18060,57 @@
           <a:chExt cx="0" cy="0"/>
         </a:xfrm>
       </p:grpSpPr>
-      <p:sp>
-        <p:nvSpPr>
-          <p:cNvPr id="2" name="Titel 1">
+      <p:pic>
+        <p:nvPicPr>
+          <p:cNvPr id="1026" name="Picture 2">
             <a:extLst>
               <a:ext uri="{FF2B5EF4-FFF2-40B4-BE49-F238E27FC236}">
-                <a16:creationId xmlns:a16="http://schemas.microsoft.com/office/drawing/2014/main" id="{CED161B8-D7EC-079B-F5CD-476EDEB31D30}"/>
-              </a:ext>
-            </a:extLst>
-          </p:cNvPr>
-          <p:cNvSpPr>
-            <a:spLocks noGrp="1"/>
-          </p:cNvSpPr>
-          <p:nvPr>
-            <p:ph type="title"/>
-          </p:nvPr>
-        </p:nvSpPr>
-        <p:spPr>
-          <a:xfrm>
-            <a:off x="1069848" y="798394"/>
-            <a:ext cx="4730451" cy="1637730"/>
-          </a:xfrm>
-        </p:spPr>
-        <p:txBody>
-          <a:bodyPr>
-            <a:normAutofit/>
-          </a:bodyPr>
-          <a:lstStyle/>
-          <a:p>
-            <a:r>
-              <a:rPr lang="nl-NL" sz="4400" dirty="0"/>
-              <a:t>functionality</a:t>
-            </a:r>
-          </a:p>
-        </p:txBody>
-      </p:sp>
-      <p:sp>
-        <p:nvSpPr>
-          <p:cNvPr id="3" name="Tijdelijke aanduiding voor inhoud 2">
-            <a:extLst>
-              <a:ext uri="{FF2B5EF4-FFF2-40B4-BE49-F238E27FC236}">
-                <a16:creationId xmlns:a16="http://schemas.microsoft.com/office/drawing/2014/main" id="{F448A43F-4132-2DC9-D305-1316150D9EC0}"/>
-              </a:ext>
-            </a:extLst>
-          </p:cNvPr>
-          <p:cNvSpPr>
-            <a:spLocks noGrp="1"/>
-          </p:cNvSpPr>
-          <p:nvPr>
-            <p:ph idx="1"/>
-          </p:nvPr>
-        </p:nvSpPr>
-        <p:spPr>
-          <a:xfrm>
-            <a:off x="1069848" y="2578608"/>
-            <a:ext cx="4730451" cy="3593592"/>
-          </a:xfrm>
-        </p:spPr>
-        <p:txBody>
-          <a:bodyPr>
-            <a:normAutofit/>
-          </a:bodyPr>
-          <a:lstStyle/>
-          <a:p>
-            <a:r>
-              <a:rPr lang="nl-NL" sz="1800" dirty="0"/>
-              <a:t>Soldering Iron</a:t>
-            </a:r>
-          </a:p>
-          <a:p>
-            <a:r>
-              <a:rPr lang="nl-NL" sz="1800" dirty="0"/>
-              <a:t>Power Supply Unit</a:t>
-            </a:r>
-          </a:p>
-          <a:p>
-            <a:r>
-              <a:rPr lang="nl-NL" sz="1800" dirty="0"/>
-              <a:t>Temperature Control Mechanism</a:t>
-            </a:r>
-          </a:p>
-          <a:p>
-            <a:r>
-              <a:rPr lang="nl-NL" sz="1800" dirty="0"/>
-              <a:t>Components to be Soldered</a:t>
-            </a:r>
-          </a:p>
-          <a:p>
-            <a:r>
-              <a:rPr lang="nl-NL" sz="1800" dirty="0"/>
-              <a:t>Soldering Process</a:t>
-            </a:r>
-          </a:p>
-        </p:txBody>
-      </p:sp>
-      <p:pic>
-        <p:nvPicPr>
-          <p:cNvPr id="5" name="Picture 4" descr="Electronics protoboard">
-            <a:extLst>
-              <a:ext uri="{FF2B5EF4-FFF2-40B4-BE49-F238E27FC236}">
-                <a16:creationId xmlns:a16="http://schemas.microsoft.com/office/drawing/2014/main" id="{A5515B4A-981E-C661-A8AE-974E925E8123}"/>
+                <a16:creationId xmlns:a16="http://schemas.microsoft.com/office/drawing/2014/main" id="{AD8ACADA-8521-8EB9-D9C8-02F7DA1E3645}"/>
               </a:ext>
             </a:extLst>
           </p:cNvPr>
           <p:cNvPicPr>
-            <a:picLocks noChangeAspect="1"/>
+            <a:picLocks noChangeAspect="1" noChangeArrowheads="1"/>
           </p:cNvPicPr>
           <p:nvPr/>
         </p:nvPicPr>
         <p:blipFill rotWithShape="1">
-          <a:blip r:embed="rId3"/>
-          <a:srcRect l="2441" r="36445" b="-1"/>
+          <a:blip r:embed="rId3">
+            <a:extLst>
+              <a:ext uri="{28A0092B-C50C-407E-A947-70E740481C1C}">
+                <a14:useLocalDpi xmlns:a14="http://schemas.microsoft.com/office/drawing/2010/main" val="0"/>
+              </a:ext>
+            </a:extLst>
+          </a:blip>
+          <a:srcRect l="14129" r="1005" b="-3"/>
           <a:stretch/>
         </p:blipFill>
-        <p:spPr>
+        <p:spPr bwMode="auto">
           <a:xfrm>
-            <a:off x="5913124" y="10"/>
-            <a:ext cx="6278877" cy="6857990"/>
+            <a:off x="3344" y="3509433"/>
+            <a:ext cx="4475150" cy="3348566"/>
           </a:xfrm>
-          <a:custGeom>
+          <a:prstGeom prst="rect">
             <a:avLst/>
-            <a:gdLst/>
-            <a:ahLst/>
-            <a:cxnLst/>
-            <a:rect l="l" t="t" r="r" b="b"/>
-            <a:pathLst>
-              <a:path w="6278877" h="6858000">
-                <a:moveTo>
-                  <a:pt x="45571" y="0"/>
-                </a:moveTo>
-                <a:lnTo>
-                  <a:pt x="6278877" y="0"/>
-                </a:lnTo>
-                <a:lnTo>
-                  <a:pt x="6278877" y="6858000"/>
-                </a:lnTo>
-                <a:lnTo>
-                  <a:pt x="3292307" y="6858000"/>
-                </a:lnTo>
-                <a:lnTo>
-                  <a:pt x="3181525" y="6786980"/>
-                </a:lnTo>
-                <a:cubicBezTo>
-                  <a:pt x="1262020" y="5490189"/>
-                  <a:pt x="0" y="3294101"/>
-                  <a:pt x="0" y="803252"/>
-                </a:cubicBezTo>
-                <a:cubicBezTo>
-                  <a:pt x="0" y="554167"/>
-                  <a:pt x="12619" y="308030"/>
-                  <a:pt x="37255" y="65445"/>
-                </a:cubicBezTo>
-                <a:close/>
-              </a:path>
-            </a:pathLst>
-          </a:custGeom>
+          </a:prstGeom>
+          <a:noFill/>
+          <a:extLst>
+            <a:ext uri="{909E8E84-426E-40DD-AFC4-6F175D3DCCD1}">
+              <a14:hiddenFill xmlns:a14="http://schemas.microsoft.com/office/drawing/2010/main">
+                <a:solidFill>
+                  <a:srgbClr val="FFFFFF"/>
+                </a:solidFill>
+              </a14:hiddenFill>
+            </a:ext>
+          </a:extLst>
         </p:spPr>
       </p:pic>
       <p:sp>
         <p:nvSpPr>
-          <p:cNvPr id="9" name="Freeform: Shape 8">
+          <p:cNvPr id="1031" name="Rectangle 1030">
             <a:extLst>
               <a:ext uri="{FF2B5EF4-FFF2-40B4-BE49-F238E27FC236}">
-                <a16:creationId xmlns:a16="http://schemas.microsoft.com/office/drawing/2014/main" id="{484E34F7-E155-426C-A88E-8AEA6CF3F7EC}"/>
+                <a16:creationId xmlns:a16="http://schemas.microsoft.com/office/drawing/2014/main" id="{881BB01C-2DAE-48BD-8E81-DAE2E1BC4DA8}"/>
               </a:ext>
               <a:ext uri="{C183D7F6-B498-43B3-948B-1728B52AA6E4}">
                 <adec:decorative xmlns:adec="http://schemas.microsoft.com/office/drawing/2017/decorative" val="1"/>
@@ -18026,102 +18130,22 @@
         </p:nvSpPr>
         <p:spPr>
           <a:xfrm>
-            <a:off x="5913123" y="0"/>
-            <a:ext cx="6278877" cy="6858000"/>
+            <a:off x="4650070" y="0"/>
+            <a:ext cx="7541930" cy="6857999"/>
           </a:xfrm>
-          <a:custGeom>
+          <a:prstGeom prst="rect">
             <a:avLst/>
-            <a:gdLst>
-              <a:gd name="connsiteX0" fmla="*/ 45571 w 6278877"/>
-              <a:gd name="connsiteY0" fmla="*/ 0 h 6858000"/>
-              <a:gd name="connsiteX1" fmla="*/ 6278877 w 6278877"/>
-              <a:gd name="connsiteY1" fmla="*/ 0 h 6858000"/>
-              <a:gd name="connsiteX2" fmla="*/ 6278877 w 6278877"/>
-              <a:gd name="connsiteY2" fmla="*/ 6858000 h 6858000"/>
-              <a:gd name="connsiteX3" fmla="*/ 3292307 w 6278877"/>
-              <a:gd name="connsiteY3" fmla="*/ 6858000 h 6858000"/>
-              <a:gd name="connsiteX4" fmla="*/ 3181525 w 6278877"/>
-              <a:gd name="connsiteY4" fmla="*/ 6786980 h 6858000"/>
-              <a:gd name="connsiteX5" fmla="*/ 0 w 6278877"/>
-              <a:gd name="connsiteY5" fmla="*/ 803252 h 6858000"/>
-              <a:gd name="connsiteX6" fmla="*/ 37255 w 6278877"/>
-              <a:gd name="connsiteY6" fmla="*/ 65445 h 6858000"/>
-            </a:gdLst>
-            <a:ahLst/>
-            <a:cxnLst>
-              <a:cxn ang="0">
-                <a:pos x="connsiteX0" y="connsiteY0"/>
-              </a:cxn>
-              <a:cxn ang="0">
-                <a:pos x="connsiteX1" y="connsiteY1"/>
-              </a:cxn>
-              <a:cxn ang="0">
-                <a:pos x="connsiteX2" y="connsiteY2"/>
-              </a:cxn>
-              <a:cxn ang="0">
-                <a:pos x="connsiteX3" y="connsiteY3"/>
-              </a:cxn>
-              <a:cxn ang="0">
-                <a:pos x="connsiteX4" y="connsiteY4"/>
-              </a:cxn>
-              <a:cxn ang="0">
-                <a:pos x="connsiteX5" y="connsiteY5"/>
-              </a:cxn>
-              <a:cxn ang="0">
-                <a:pos x="connsiteX6" y="connsiteY6"/>
-              </a:cxn>
-            </a:cxnLst>
-            <a:rect l="l" t="t" r="r" b="b"/>
-            <a:pathLst>
-              <a:path w="6278877" h="6858000">
-                <a:moveTo>
-                  <a:pt x="45571" y="0"/>
-                </a:moveTo>
-                <a:lnTo>
-                  <a:pt x="6278877" y="0"/>
-                </a:lnTo>
-                <a:lnTo>
-                  <a:pt x="6278877" y="6858000"/>
-                </a:lnTo>
-                <a:lnTo>
-                  <a:pt x="3292307" y="6858000"/>
-                </a:lnTo>
-                <a:lnTo>
-                  <a:pt x="3181525" y="6786980"/>
-                </a:lnTo>
-                <a:cubicBezTo>
-                  <a:pt x="1262020" y="5490189"/>
-                  <a:pt x="0" y="3294101"/>
-                  <a:pt x="0" y="803252"/>
-                </a:cubicBezTo>
-                <a:cubicBezTo>
-                  <a:pt x="0" y="554167"/>
-                  <a:pt x="12619" y="308030"/>
-                  <a:pt x="37255" y="65445"/>
-                </a:cubicBezTo>
-                <a:close/>
-              </a:path>
-            </a:pathLst>
-          </a:custGeom>
+          </a:prstGeom>
           <a:blipFill dpi="0" rotWithShape="1">
             <a:blip r:embed="rId4">
-              <a:alphaModFix amt="30000"/>
-              <a:duotone>
-                <a:prstClr val="black"/>
-                <a:schemeClr val="accent1">
-                  <a:tint val="45000"/>
-                  <a:satMod val="400000"/>
-                </a:schemeClr>
-              </a:duotone>
+              <a:alphaModFix amt="60000"/>
+              <a:lum bright="70000" contrast="-70000"/>
               <a:extLst>
                 <a:ext uri="{BEBA8EAE-BF5A-486C-A8C5-ECC9F3942E4B}">
                   <a14:imgProps xmlns:a14="http://schemas.microsoft.com/office/drawing/2010/main">
                     <a14:imgLayer r:embed="rId5">
                       <a14:imgEffect>
                         <a14:sharpenSoften amount="61000"/>
-                      </a14:imgEffect>
-                      <a14:imgEffect>
-                        <a14:brightnessContrast bright="-25000" contrast="20000"/>
                       </a14:imgEffect>
                     </a14:imgLayer>
                   </a14:imgProps>
@@ -18132,7 +18156,7 @@
               </a:extLst>
             </a:blip>
             <a:srcRect/>
-            <a:tile tx="0" ty="-762000" sx="92000" sy="89000" flip="xy" algn="ctr"/>
+            <a:tile tx="0" ty="-704850" sx="92000" sy="89000" flip="xy" algn="ctr"/>
           </a:blipFill>
           <a:ln>
             <a:noFill/>
@@ -18155,9 +18179,7 @@
           </a:fontRef>
         </p:style>
         <p:txBody>
-          <a:bodyPr wrap="square" rtlCol="0" anchor="ctr">
-            <a:noAutofit/>
-          </a:bodyPr>
+          <a:bodyPr rtlCol="0" anchor="ctr"/>
           <a:lstStyle/>
           <a:p>
             <a:pPr algn="ctr"/>
@@ -18165,6 +18187,321 @@
           </a:p>
         </p:txBody>
       </p:sp>
+      <p:sp>
+        <p:nvSpPr>
+          <p:cNvPr id="2" name="Titel 1">
+            <a:extLst>
+              <a:ext uri="{FF2B5EF4-FFF2-40B4-BE49-F238E27FC236}">
+                <a16:creationId xmlns:a16="http://schemas.microsoft.com/office/drawing/2014/main" id="{CED161B8-D7EC-079B-F5CD-476EDEB31D30}"/>
+              </a:ext>
+            </a:extLst>
+          </p:cNvPr>
+          <p:cNvSpPr>
+            <a:spLocks noGrp="1"/>
+          </p:cNvSpPr>
+          <p:nvPr>
+            <p:ph type="title"/>
+          </p:nvPr>
+        </p:nvSpPr>
+        <p:spPr>
+          <a:xfrm>
+            <a:off x="4970109" y="484632"/>
+            <a:ext cx="6730277" cy="1609344"/>
+          </a:xfrm>
+          <a:ln>
+            <a:noFill/>
+          </a:ln>
+        </p:spPr>
+        <p:txBody>
+          <a:bodyPr>
+            <a:normAutofit/>
+          </a:bodyPr>
+          <a:lstStyle/>
+          <a:p>
+            <a:r>
+              <a:rPr lang="nl-NL" sz="4800"/>
+              <a:t>functionality</a:t>
+            </a:r>
+          </a:p>
+        </p:txBody>
+      </p:sp>
+      <p:pic>
+        <p:nvPicPr>
+          <p:cNvPr id="5" name="Picture 4" descr="Electronics protoboard">
+            <a:extLst>
+              <a:ext uri="{FF2B5EF4-FFF2-40B4-BE49-F238E27FC236}">
+                <a16:creationId xmlns:a16="http://schemas.microsoft.com/office/drawing/2014/main" id="{A5515B4A-981E-C661-A8AE-974E925E8123}"/>
+              </a:ext>
+            </a:extLst>
+          </p:cNvPr>
+          <p:cNvPicPr>
+            <a:picLocks noChangeAspect="1"/>
+          </p:cNvPicPr>
+          <p:nvPr/>
+        </p:nvPicPr>
+        <p:blipFill rotWithShape="1">
+          <a:blip r:embed="rId6"/>
+          <a:srcRect r="10790" b="-3"/>
+          <a:stretch/>
+        </p:blipFill>
+        <p:spPr>
+          <a:xfrm>
+            <a:off x="3344" y="10"/>
+            <a:ext cx="4475150" cy="3348557"/>
+          </a:xfrm>
+          <a:prstGeom prst="rect">
+            <a:avLst/>
+          </a:prstGeom>
+        </p:spPr>
+      </p:pic>
+      <p:sp>
+        <p:nvSpPr>
+          <p:cNvPr id="3" name="Tijdelijke aanduiding voor inhoud 2">
+            <a:extLst>
+              <a:ext uri="{FF2B5EF4-FFF2-40B4-BE49-F238E27FC236}">
+                <a16:creationId xmlns:a16="http://schemas.microsoft.com/office/drawing/2014/main" id="{F448A43F-4132-2DC9-D305-1316150D9EC0}"/>
+              </a:ext>
+            </a:extLst>
+          </p:cNvPr>
+          <p:cNvSpPr>
+            <a:spLocks noGrp="1"/>
+          </p:cNvSpPr>
+          <p:nvPr>
+            <p:ph idx="1"/>
+          </p:nvPr>
+        </p:nvSpPr>
+        <p:spPr>
+          <a:xfrm>
+            <a:off x="4970109" y="2121408"/>
+            <a:ext cx="6730276" cy="4050792"/>
+          </a:xfrm>
+        </p:spPr>
+        <p:txBody>
+          <a:bodyPr>
+            <a:normAutofit/>
+          </a:bodyPr>
+          <a:lstStyle/>
+          <a:p>
+            <a:r>
+              <a:rPr lang="nl-NL" sz="2400" dirty="0"/>
+              <a:t>Soldering Iron</a:t>
+            </a:r>
+          </a:p>
+          <a:p>
+            <a:pPr lvl="1"/>
+            <a:r>
+              <a:rPr lang="nl-NL" sz="2400" dirty="0"/>
+              <a:t>Components to be Soldered</a:t>
+            </a:r>
+          </a:p>
+          <a:p>
+            <a:r>
+              <a:rPr lang="nl-NL" sz="2400" dirty="0"/>
+              <a:t>Power Supply Unit</a:t>
+            </a:r>
+          </a:p>
+          <a:p>
+            <a:r>
+              <a:rPr lang="nl-NL" sz="2400" dirty="0"/>
+              <a:t>Temperature Control Mechanism</a:t>
+            </a:r>
+          </a:p>
+        </p:txBody>
+      </p:sp>
+      <p:grpSp>
+        <p:nvGrpSpPr>
+          <p:cNvPr id="1033" name="Group 1032">
+            <a:extLst>
+              <a:ext uri="{FF2B5EF4-FFF2-40B4-BE49-F238E27FC236}">
+                <a16:creationId xmlns:a16="http://schemas.microsoft.com/office/drawing/2014/main" id="{AD55FF18-1979-4730-A345-E74E328F0777}"/>
+              </a:ext>
+              <a:ext uri="{C183D7F6-B498-43B3-948B-1728B52AA6E4}">
+                <adec:decorative xmlns:adec="http://schemas.microsoft.com/office/drawing/2017/decorative" val="1"/>
+              </a:ext>
+            </a:extLst>
+          </p:cNvPr>
+          <p:cNvGrpSpPr>
+            <a:grpSpLocks noGrp="1" noUngrp="1" noRot="1" noChangeAspect="1" noMove="1" noResize="1"/>
+          </p:cNvGrpSpPr>
+          <p:nvPr>
+            <p:extLst>
+              <p:ext uri="{386F3935-93C4-4BCD-93E2-E3B085C9AB24}">
+                <p16:designElem xmlns:p16="http://schemas.microsoft.com/office/powerpoint/2015/main" val="1"/>
+              </p:ext>
+            </p:extLst>
+          </p:nvPr>
+        </p:nvGrpSpPr>
+        <p:grpSpPr>
+          <a:xfrm>
+            <a:off x="11401725" y="6229681"/>
+            <a:ext cx="457200" cy="457200"/>
+            <a:chOff x="11361456" y="6195813"/>
+            <a:chExt cx="548640" cy="548640"/>
+          </a:xfrm>
+        </p:grpSpPr>
+        <p:sp>
+          <p:nvSpPr>
+            <p:cNvPr id="1034" name="Oval 1033">
+              <a:extLst>
+                <a:ext uri="{FF2B5EF4-FFF2-40B4-BE49-F238E27FC236}">
+                  <a16:creationId xmlns:a16="http://schemas.microsoft.com/office/drawing/2014/main" id="{6F8381C4-0751-4A6E-BFF7-48DF67BFA087}"/>
+                </a:ext>
+                <a:ext uri="{C183D7F6-B498-43B3-948B-1728B52AA6E4}">
+                  <adec:decorative xmlns:adec="http://schemas.microsoft.com/office/drawing/2017/decorative" val="1"/>
+                </a:ext>
+              </a:extLst>
+            </p:cNvPr>
+            <p:cNvSpPr/>
+            <p:nvPr>
+              <p:extLst>
+                <p:ext uri="{386F3935-93C4-4BCD-93E2-E3B085C9AB24}">
+                  <p16:designElem xmlns:p16="http://schemas.microsoft.com/office/powerpoint/2015/main" val="1"/>
+                </p:ext>
+              </p:extLst>
+            </p:nvPr>
+          </p:nvSpPr>
+          <p:spPr>
+            <a:xfrm>
+              <a:off x="11361456" y="6195813"/>
+              <a:ext cx="548640" cy="548640"/>
+            </a:xfrm>
+            <a:prstGeom prst="ellipse">
+              <a:avLst/>
+            </a:prstGeom>
+            <a:blipFill dpi="0" rotWithShape="1">
+              <a:blip r:embed="rId7">
+                <a:duotone>
+                  <a:schemeClr val="accent1">
+                    <a:shade val="45000"/>
+                    <a:satMod val="135000"/>
+                  </a:schemeClr>
+                  <a:prstClr val="white"/>
+                </a:duotone>
+              </a:blip>
+              <a:srcRect/>
+              <a:tile tx="50800" ty="0" sx="85000" sy="85000" flip="none" algn="tl"/>
+            </a:blipFill>
+            <a:ln w="25400" cap="flat" cmpd="sng" algn="ctr">
+              <a:noFill/>
+              <a:prstDash val="solid"/>
+            </a:ln>
+            <a:effectLst/>
+          </p:spPr>
+          <p:txBody>
+            <a:bodyPr lIns="0" tIns="0" rIns="0" bIns="0" rtlCol="0" anchor="ctr"/>
+            <a:lstStyle/>
+            <a:p>
+              <a:pPr marL="0" marR="0" lvl="0" indent="0" algn="ctr" defTabSz="914400" eaLnBrk="1" fontAlgn="auto" latinLnBrk="0" hangingPunct="1">
+                <a:lnSpc>
+                  <a:spcPct val="100000"/>
+                </a:lnSpc>
+                <a:spcBef>
+                  <a:spcPts val="0"/>
+                </a:spcBef>
+                <a:spcAft>
+                  <a:spcPts val="0"/>
+                </a:spcAft>
+                <a:buClrTx/>
+                <a:buSzTx/>
+                <a:buFontTx/>
+                <a:buNone/>
+                <a:tabLst/>
+                <a:defRPr/>
+              </a:pPr>
+              <a:endParaRPr kumimoji="0" lang="en-US" sz="2000" b="0" i="0" u="none" strike="noStrike" kern="0" cap="none" spc="0" normalizeH="0" baseline="0" noProof="0" dirty="0">
+                <a:ln>
+                  <a:noFill/>
+                </a:ln>
+                <a:solidFill>
+                  <a:prstClr val="white"/>
+                </a:solidFill>
+                <a:effectLst/>
+                <a:uLnTx/>
+                <a:uFillTx/>
+                <a:latin typeface="Rockwell Extra Bold" pitchFamily="18" charset="0"/>
+                <a:ea typeface="+mn-ea"/>
+                <a:cs typeface="+mn-cs"/>
+              </a:endParaRPr>
+            </a:p>
+          </p:txBody>
+        </p:sp>
+        <p:sp>
+          <p:nvSpPr>
+            <p:cNvPr id="1035" name="Oval 1034">
+              <a:extLst>
+                <a:ext uri="{FF2B5EF4-FFF2-40B4-BE49-F238E27FC236}">
+                  <a16:creationId xmlns:a16="http://schemas.microsoft.com/office/drawing/2014/main" id="{F7320C1D-D7A9-4392-B3B6-ACEF193A8D66}"/>
+                </a:ext>
+                <a:ext uri="{C183D7F6-B498-43B3-948B-1728B52AA6E4}">
+                  <adec:decorative xmlns:adec="http://schemas.microsoft.com/office/drawing/2017/decorative" val="1"/>
+                </a:ext>
+              </a:extLst>
+            </p:cNvPr>
+            <p:cNvSpPr/>
+            <p:nvPr>
+              <p:extLst>
+                <p:ext uri="{386F3935-93C4-4BCD-93E2-E3B085C9AB24}">
+                  <p16:designElem xmlns:p16="http://schemas.microsoft.com/office/powerpoint/2015/main" val="1"/>
+                </p:ext>
+              </p:extLst>
+            </p:nvPr>
+          </p:nvSpPr>
+          <p:spPr>
+            <a:xfrm>
+              <a:off x="11396488" y="6230844"/>
+              <a:ext cx="478576" cy="478578"/>
+            </a:xfrm>
+            <a:prstGeom prst="ellipse">
+              <a:avLst/>
+            </a:prstGeom>
+            <a:noFill/>
+            <a:ln w="12700" cap="flat" cmpd="sng" algn="ctr">
+              <a:solidFill>
+                <a:srgbClr val="FFFFFF"/>
+              </a:solidFill>
+              <a:prstDash val="solid"/>
+            </a:ln>
+            <a:effectLst/>
+          </p:spPr>
+          <p:txBody>
+            <a:bodyPr rtlCol="0" anchor="ctr"/>
+            <a:lstStyle/>
+            <a:p>
+              <a:pPr marL="0" marR="0" lvl="0" indent="0" algn="ctr" defTabSz="914400" eaLnBrk="1" fontAlgn="auto" latinLnBrk="0" hangingPunct="1">
+                <a:lnSpc>
+                  <a:spcPct val="100000"/>
+                </a:lnSpc>
+                <a:spcBef>
+                  <a:spcPts val="0"/>
+                </a:spcBef>
+                <a:spcAft>
+                  <a:spcPts val="0"/>
+                </a:spcAft>
+                <a:buClrTx/>
+                <a:buSzTx/>
+                <a:buFontTx/>
+                <a:buNone/>
+                <a:tabLst/>
+                <a:defRPr/>
+              </a:pPr>
+              <a:endParaRPr kumimoji="0" lang="en-US" sz="1800" b="0" i="0" u="none" strike="noStrike" kern="0" cap="none" spc="0" normalizeH="0" baseline="0" noProof="0" dirty="0">
+                <a:ln>
+                  <a:noFill/>
+                </a:ln>
+                <a:solidFill>
+                  <a:prstClr val="white"/>
+                </a:solidFill>
+                <a:effectLst/>
+                <a:uLnTx/>
+                <a:uFillTx/>
+                <a:latin typeface="Calibri"/>
+                <a:ea typeface="+mn-ea"/>
+                <a:cs typeface="+mn-cs"/>
+              </a:endParaRPr>
+            </a:p>
+          </p:txBody>
+        </p:sp>
+      </p:grpSp>
       <p:pic>
         <p:nvPicPr>
           <p:cNvPr id="4" name="Afbeelding 3" descr="Afbeelding met Lettertype, Graphics, symbool, logo&#10;&#10;Automatisch gegenereerde beschrijving">
@@ -18180,7 +18517,7 @@
           <p:nvPr/>
         </p:nvPicPr>
         <p:blipFill>
-          <a:blip r:embed="rId6"/>
+          <a:blip r:embed="rId8"/>
           <a:stretch>
             <a:fillRect/>
           </a:stretch>
@@ -18223,8 +18560,13 @@
           </a:bodyPr>
           <a:lstStyle/>
           <a:p>
+            <a:pPr>
+              <a:spcAft>
+                <a:spcPts val="600"/>
+              </a:spcAft>
+            </a:pPr>
             <a:r>
-              <a:rPr lang="nl-NL" dirty="0"/>
+              <a:rPr lang="nl-NL"/>
               <a:t>3.0</a:t>
             </a:r>
           </a:p>
@@ -18446,54 +18788,54 @@
           <a:lstStyle/>
           <a:p>
             <a:r>
-              <a:rPr lang="nl-NL" sz="1800"/>
+              <a:rPr lang="nl-NL" sz="2400" dirty="0"/>
               <a:t>Schematics</a:t>
             </a:r>
           </a:p>
           <a:p>
             <a:pPr lvl="1"/>
             <a:r>
-              <a:rPr lang="nl-NL"/>
+              <a:rPr lang="nl-NL" sz="2400" dirty="0"/>
               <a:t>Thermokoppel</a:t>
             </a:r>
           </a:p>
           <a:p>
             <a:pPr lvl="1"/>
             <a:r>
-              <a:rPr lang="nl-NL"/>
+              <a:rPr lang="nl-NL" sz="2400" dirty="0"/>
               <a:t>Voeding</a:t>
             </a:r>
           </a:p>
           <a:p>
             <a:pPr lvl="1"/>
             <a:r>
-              <a:rPr lang="nl-NL"/>
+              <a:rPr lang="nl-NL" sz="2400" dirty="0"/>
               <a:t>CPY</a:t>
             </a:r>
           </a:p>
           <a:p>
             <a:pPr lvl="1"/>
             <a:r>
-              <a:rPr lang="nl-NL"/>
+              <a:rPr lang="nl-NL" sz="2400" dirty="0"/>
               <a:t>PBM </a:t>
             </a:r>
           </a:p>
           <a:p>
             <a:pPr lvl="1"/>
             <a:r>
-              <a:rPr lang="nl-NL"/>
+              <a:rPr lang="nl-NL" sz="2400" dirty="0"/>
               <a:t>Display</a:t>
             </a:r>
           </a:p>
           <a:p>
             <a:r>
-              <a:rPr lang="nl-NL" sz="1800"/>
+              <a:rPr lang="nl-NL" sz="2400" dirty="0"/>
               <a:t>Manufactory</a:t>
             </a:r>
           </a:p>
           <a:p>
             <a:r>
-              <a:rPr lang="nl-NL" sz="1800"/>
+              <a:rPr lang="nl-NL" sz="2400" dirty="0"/>
               <a:t>Soldering</a:t>
             </a:r>
           </a:p>
@@ -18888,13 +19230,13 @@
             <a:avLst/>
           </a:prstGeom>
           <a:blipFill dpi="0" rotWithShape="1">
-            <a:blip r:embed="rId2">
+            <a:blip r:embed="rId3">
               <a:alphaModFix amt="85000"/>
               <a:lum bright="70000" contrast="-70000"/>
               <a:extLst>
                 <a:ext uri="{BEBA8EAE-BF5A-486C-A8C5-ECC9F3942E4B}">
                   <a14:imgProps xmlns:a14="http://schemas.microsoft.com/office/drawing/2010/main">
-                    <a14:imgLayer r:embed="rId3">
+                    <a14:imgLayer r:embed="rId4">
                       <a14:imgEffect>
                         <a14:sharpenSoften amount="61000"/>
                       </a14:imgEffect>
@@ -18962,13 +19304,13 @@
             <a:avLst/>
           </a:prstGeom>
           <a:blipFill dpi="0" rotWithShape="1">
-            <a:blip r:embed="rId2">
+            <a:blip r:embed="rId3">
               <a:alphaModFix amt="85000"/>
               <a:lum bright="70000" contrast="-70000"/>
               <a:extLst>
                 <a:ext uri="{BEBA8EAE-BF5A-486C-A8C5-ECC9F3942E4B}">
                   <a14:imgProps xmlns:a14="http://schemas.microsoft.com/office/drawing/2010/main">
-                    <a14:imgLayer r:embed="rId3">
+                    <a14:imgLayer r:embed="rId4">
                       <a14:imgEffect>
                         <a14:sharpenSoften amount="61000"/>
                       </a14:imgEffect>
@@ -19036,13 +19378,13 @@
             <a:avLst/>
           </a:prstGeom>
           <a:blipFill dpi="0" rotWithShape="1">
-            <a:blip r:embed="rId2">
+            <a:blip r:embed="rId3">
               <a:alphaModFix amt="85000"/>
               <a:lum bright="70000" contrast="-70000"/>
               <a:extLst>
                 <a:ext uri="{BEBA8EAE-BF5A-486C-A8C5-ECC9F3942E4B}">
                   <a14:imgProps xmlns:a14="http://schemas.microsoft.com/office/drawing/2010/main">
-                    <a14:imgLayer r:embed="rId3">
+                    <a14:imgLayer r:embed="rId4">
                       <a14:imgEffect>
                         <a14:sharpenSoften amount="61000"/>
                       </a14:imgEffect>
@@ -19146,7 +19488,7 @@
             <a:avLst/>
           </a:prstGeom>
           <a:blipFill dpi="0" rotWithShape="1">
-            <a:blip r:embed="rId4">
+            <a:blip r:embed="rId5">
               <a:duotone>
                 <a:schemeClr val="accent1">
                   <a:shade val="45000"/>
@@ -19297,18 +19639,18 @@
               <p:nvPr>
                 <p:extLst>
                   <p:ext uri="{D42A27DB-BD31-4B8C-83A1-F6EECF244321}">
-                    <p14:modId xmlns:p14="http://schemas.microsoft.com/office/powerpoint/2010/main" val="3333940176"/>
+                    <p14:modId xmlns:p14="http://schemas.microsoft.com/office/powerpoint/2010/main" val="100168436"/>
                   </p:ext>
                 </p:extLst>
               </p:nvPr>
             </p:nvGraphicFramePr>
             <p:xfrm>
-              <a:off x="7262852" y="2178549"/>
+              <a:off x="7223108" y="2554190"/>
               <a:ext cx="3475797" cy="3818233"/>
             </p:xfrm>
             <a:graphic>
               <a:graphicData uri="http://schemas.microsoft.com/office/drawing/2017/model3d">
-                <am3d:model3d r:embed="rId5">
+                <am3d:model3d r:embed="rId6">
                   <am3d:spPr>
                     <a:xfrm>
                       <a:off x="0" y="0"/>
@@ -19336,7 +19678,7 @@
                     <am3d:postTrans dx="0" dy="0" dz="0"/>
                   </am3d:trans>
                   <am3d:raster rName="Office3DRenderer" rVer="16.0.8326">
-                    <am3d:blip r:embed="rId6"/>
+                    <am3d:blip r:embed="rId7"/>
                   </am3d:raster>
                   <am3d:objViewport viewportSz="3837661"/>
                   <am3d:ambientLight>
@@ -19387,14 +19729,14 @@
               <p:nvPr/>
             </p:nvPicPr>
             <p:blipFill>
-              <a:blip r:embed="rId6"/>
+              <a:blip r:embed="rId7"/>
               <a:stretch>
                 <a:fillRect/>
               </a:stretch>
             </p:blipFill>
             <p:spPr>
               <a:xfrm>
-                <a:off x="7262852" y="2178549"/>
+                <a:off x="7223108" y="2554190"/>
                 <a:ext cx="3475797" cy="3818233"/>
               </a:xfrm>
               <a:prstGeom prst="rect">
@@ -19419,7 +19761,7 @@
           <p:nvPr/>
         </p:nvPicPr>
         <p:blipFill>
-          <a:blip r:embed="rId7"/>
+          <a:blip r:embed="rId8"/>
           <a:stretch>
             <a:fillRect/>
           </a:stretch>
@@ -19487,18 +19829,18 @@
               <p:nvPr>
                 <p:extLst>
                   <p:ext uri="{D42A27DB-BD31-4B8C-83A1-F6EECF244321}">
-                    <p14:modId xmlns:p14="http://schemas.microsoft.com/office/powerpoint/2010/main" val="3953252959"/>
+                    <p14:modId xmlns:p14="http://schemas.microsoft.com/office/powerpoint/2010/main" val="918452335"/>
                   </p:ext>
                 </p:extLst>
               </p:nvPr>
             </p:nvGraphicFramePr>
             <p:xfrm>
-              <a:off x="1534295" y="2511392"/>
+              <a:off x="1453351" y="2665141"/>
               <a:ext cx="5111168" cy="3552131"/>
             </p:xfrm>
             <a:graphic>
               <a:graphicData uri="http://schemas.microsoft.com/office/drawing/2017/model3d">
-                <am3d:model3d r:embed="rId8">
+                <am3d:model3d r:embed="rId9">
                   <am3d:spPr>
                     <a:xfrm>
                       <a:off x="0" y="0"/>
@@ -19526,7 +19868,7 @@
                     <am3d:postTrans dx="0" dy="0" dz="0"/>
                   </am3d:trans>
                   <am3d:raster rName="Office3DRenderer" rVer="16.0.8326">
-                    <am3d:blip r:embed="rId9"/>
+                    <am3d:blip r:embed="rId10"/>
                   </am3d:raster>
                   <am3d:objViewport viewportSz="5418665"/>
                   <am3d:ambientLight>
@@ -19577,14 +19919,14 @@
               <p:nvPr/>
             </p:nvPicPr>
             <p:blipFill>
-              <a:blip r:embed="rId9"/>
+              <a:blip r:embed="rId10"/>
               <a:stretch>
                 <a:fillRect/>
               </a:stretch>
             </p:blipFill>
             <p:spPr>
               <a:xfrm>
-                <a:off x="1534295" y="2511392"/>
+                <a:off x="1453351" y="2665141"/>
                 <a:ext cx="5111168" cy="3552131"/>
               </a:xfrm>
               <a:prstGeom prst="rect">
@@ -19594,6 +19936,76 @@
           </p:pic>
         </mc:Fallback>
       </mc:AlternateContent>
+      <p:sp>
+        <p:nvSpPr>
+          <p:cNvPr id="3" name="Tekstvak 2">
+            <a:extLst>
+              <a:ext uri="{FF2B5EF4-FFF2-40B4-BE49-F238E27FC236}">
+                <a16:creationId xmlns:a16="http://schemas.microsoft.com/office/drawing/2014/main" id="{F51B1389-789B-2442-8D89-5F9E3322F3DE}"/>
+              </a:ext>
+            </a:extLst>
+          </p:cNvPr>
+          <p:cNvSpPr txBox="1"/>
+          <p:nvPr/>
+        </p:nvSpPr>
+        <p:spPr>
+          <a:xfrm>
+            <a:off x="2531327" y="2348963"/>
+            <a:ext cx="1366336" cy="369332"/>
+          </a:xfrm>
+          <a:prstGeom prst="rect">
+            <a:avLst/>
+          </a:prstGeom>
+          <a:noFill/>
+        </p:spPr>
+        <p:txBody>
+          <a:bodyPr wrap="none" rtlCol="0">
+            <a:spAutoFit/>
+          </a:bodyPr>
+          <a:lstStyle/>
+          <a:p>
+            <a:r>
+              <a:rPr lang="nl-NL" dirty="0"/>
+              <a:t>Version 0.0</a:t>
+            </a:r>
+          </a:p>
+        </p:txBody>
+      </p:sp>
+      <p:sp>
+        <p:nvSpPr>
+          <p:cNvPr id="4" name="Tekstvak 3">
+            <a:extLst>
+              <a:ext uri="{FF2B5EF4-FFF2-40B4-BE49-F238E27FC236}">
+                <a16:creationId xmlns:a16="http://schemas.microsoft.com/office/drawing/2014/main" id="{69005BDE-353C-9C92-7641-A103DC8B1092}"/>
+              </a:ext>
+            </a:extLst>
+          </p:cNvPr>
+          <p:cNvSpPr txBox="1"/>
+          <p:nvPr/>
+        </p:nvSpPr>
+        <p:spPr>
+          <a:xfrm>
+            <a:off x="8294337" y="2207573"/>
+            <a:ext cx="1366336" cy="369332"/>
+          </a:xfrm>
+          <a:prstGeom prst="rect">
+            <a:avLst/>
+          </a:prstGeom>
+          <a:noFill/>
+        </p:spPr>
+        <p:txBody>
+          <a:bodyPr wrap="none" rtlCol="0">
+            <a:spAutoFit/>
+          </a:bodyPr>
+          <a:lstStyle/>
+          <a:p>
+            <a:r>
+              <a:rPr lang="nl-NL" dirty="0"/>
+              <a:t>Version 0.1</a:t>
+            </a:r>
+          </a:p>
+        </p:txBody>
+      </p:sp>
     </p:spTree>
     <p:extLst>
       <p:ext uri="{BB962C8B-B14F-4D97-AF65-F5344CB8AC3E}">
@@ -20018,7 +20430,7 @@
             <p:ph idx="1"/>
             <p:extLst>
               <p:ext uri="{D42A27DB-BD31-4B8C-83A1-F6EECF244321}">
-                <p14:modId xmlns:p14="http://schemas.microsoft.com/office/powerpoint/2010/main" val="1945734257"/>
+                <p14:modId xmlns:p14="http://schemas.microsoft.com/office/powerpoint/2010/main" val="3999892129"/>
               </p:ext>
             </p:extLst>
           </p:nvPr>
@@ -20282,19 +20694,19 @@
           <a:lstStyle/>
           <a:p>
             <a:r>
-              <a:rPr lang="nl-NL" sz="1800" dirty="0"/>
+              <a:rPr lang="nl-NL" sz="2400" dirty="0"/>
               <a:t>Components : €35</a:t>
             </a:r>
           </a:p>
           <a:p>
             <a:r>
-              <a:rPr lang="nl-NL" sz="1800" dirty="0"/>
+              <a:rPr lang="nl-NL" sz="2400" dirty="0"/>
               <a:t>PCB : €32</a:t>
             </a:r>
           </a:p>
           <a:p>
             <a:r>
-              <a:rPr lang="nl-NL" sz="1800" dirty="0"/>
+              <a:rPr lang="nl-NL" sz="2400" dirty="0"/>
               <a:t>Toroidal transformer : €25 – €40</a:t>
             </a:r>
           </a:p>
@@ -20303,41 +20715,41 @@
               <a:buNone/>
             </a:pPr>
             <a:r>
-              <a:rPr lang="nl-NL" sz="1800" dirty="0"/>
+              <a:rPr lang="nl-NL" sz="2400" dirty="0"/>
               <a:t>Extra :</a:t>
             </a:r>
           </a:p>
           <a:p>
             <a:pPr lvl="1"/>
             <a:r>
-              <a:rPr lang="nl-NL" dirty="0"/>
+              <a:rPr lang="nl-NL" sz="2400" dirty="0"/>
               <a:t>Display : €1,60 </a:t>
             </a:r>
           </a:p>
           <a:p>
             <a:pPr lvl="1"/>
             <a:r>
-              <a:rPr lang="nl-NL" dirty="0"/>
+              <a:rPr lang="nl-NL" sz="2400" dirty="0"/>
               <a:t>Case : €25</a:t>
             </a:r>
           </a:p>
           <a:p>
             <a:pPr lvl="1"/>
             <a:r>
-              <a:rPr lang="nl-NL" dirty="0"/>
+              <a:rPr lang="nl-NL" sz="2400" dirty="0"/>
               <a:t>Soldering iron : €15 </a:t>
             </a:r>
           </a:p>
           <a:p>
             <a:pPr lvl="1"/>
-            <a:endParaRPr lang="nl-NL" dirty="0"/>
+            <a:endParaRPr lang="nl-NL" sz="2400" dirty="0"/>
           </a:p>
           <a:p>
             <a:pPr marL="0" indent="0">
               <a:buNone/>
             </a:pPr>
             <a:r>
-              <a:rPr lang="nl-NL" sz="1800" dirty="0"/>
+              <a:rPr lang="nl-NL" sz="2400" dirty="0"/>
               <a:t>Total : €133,6 – €148,6</a:t>
             </a:r>
           </a:p>
